--- a/論文導讀/1_Seq2seq/Sequence to Sequence Learning with Neural Networks.pptx
+++ b/論文導讀/1_Seq2seq/Sequence to Sequence Learning with Neural Networks.pptx
@@ -271,7 +271,7 @@
           <a:p>
             <a:fld id="{FA99FD5E-D554-4401-B340-088042D58529}" type="datetimeFigureOut">
               <a:rPr lang="zh-TW" altLang="en-US" smtClean="0"/>
-              <a:t>2022/9/16</a:t>
+              <a:t>2022/10/3</a:t>
             </a:fld>
             <a:endParaRPr lang="zh-TW" altLang="en-US"/>
           </a:p>
@@ -441,7 +441,7 @@
           <a:p>
             <a:fld id="{FA99FD5E-D554-4401-B340-088042D58529}" type="datetimeFigureOut">
               <a:rPr lang="zh-TW" altLang="en-US" smtClean="0"/>
-              <a:t>2022/9/16</a:t>
+              <a:t>2022/10/3</a:t>
             </a:fld>
             <a:endParaRPr lang="zh-TW" altLang="en-US"/>
           </a:p>
@@ -621,7 +621,7 @@
           <a:p>
             <a:fld id="{FA99FD5E-D554-4401-B340-088042D58529}" type="datetimeFigureOut">
               <a:rPr lang="zh-TW" altLang="en-US" smtClean="0"/>
-              <a:t>2022/9/16</a:t>
+              <a:t>2022/10/3</a:t>
             </a:fld>
             <a:endParaRPr lang="zh-TW" altLang="en-US"/>
           </a:p>
@@ -791,7 +791,7 @@
           <a:p>
             <a:fld id="{FA99FD5E-D554-4401-B340-088042D58529}" type="datetimeFigureOut">
               <a:rPr lang="zh-TW" altLang="en-US" smtClean="0"/>
-              <a:t>2022/9/16</a:t>
+              <a:t>2022/10/3</a:t>
             </a:fld>
             <a:endParaRPr lang="zh-TW" altLang="en-US"/>
           </a:p>
@@ -1037,7 +1037,7 @@
           <a:p>
             <a:fld id="{FA99FD5E-D554-4401-B340-088042D58529}" type="datetimeFigureOut">
               <a:rPr lang="zh-TW" altLang="en-US" smtClean="0"/>
-              <a:t>2022/9/16</a:t>
+              <a:t>2022/10/3</a:t>
             </a:fld>
             <a:endParaRPr lang="zh-TW" altLang="en-US"/>
           </a:p>
@@ -1269,7 +1269,7 @@
           <a:p>
             <a:fld id="{FA99FD5E-D554-4401-B340-088042D58529}" type="datetimeFigureOut">
               <a:rPr lang="zh-TW" altLang="en-US" smtClean="0"/>
-              <a:t>2022/9/16</a:t>
+              <a:t>2022/10/3</a:t>
             </a:fld>
             <a:endParaRPr lang="zh-TW" altLang="en-US"/>
           </a:p>
@@ -1636,7 +1636,7 @@
           <a:p>
             <a:fld id="{FA99FD5E-D554-4401-B340-088042D58529}" type="datetimeFigureOut">
               <a:rPr lang="zh-TW" altLang="en-US" smtClean="0"/>
-              <a:t>2022/9/16</a:t>
+              <a:t>2022/10/3</a:t>
             </a:fld>
             <a:endParaRPr lang="zh-TW" altLang="en-US"/>
           </a:p>
@@ -1754,7 +1754,7 @@
           <a:p>
             <a:fld id="{FA99FD5E-D554-4401-B340-088042D58529}" type="datetimeFigureOut">
               <a:rPr lang="zh-TW" altLang="en-US" smtClean="0"/>
-              <a:t>2022/9/16</a:t>
+              <a:t>2022/10/3</a:t>
             </a:fld>
             <a:endParaRPr lang="zh-TW" altLang="en-US"/>
           </a:p>
@@ -1849,7 +1849,7 @@
           <a:p>
             <a:fld id="{FA99FD5E-D554-4401-B340-088042D58529}" type="datetimeFigureOut">
               <a:rPr lang="zh-TW" altLang="en-US" smtClean="0"/>
-              <a:t>2022/9/16</a:t>
+              <a:t>2022/10/3</a:t>
             </a:fld>
             <a:endParaRPr lang="zh-TW" altLang="en-US"/>
           </a:p>
@@ -2126,7 +2126,7 @@
           <a:p>
             <a:fld id="{FA99FD5E-D554-4401-B340-088042D58529}" type="datetimeFigureOut">
               <a:rPr lang="zh-TW" altLang="en-US" smtClean="0"/>
-              <a:t>2022/9/16</a:t>
+              <a:t>2022/10/3</a:t>
             </a:fld>
             <a:endParaRPr lang="zh-TW" altLang="en-US"/>
           </a:p>
@@ -2379,7 +2379,7 @@
           <a:p>
             <a:fld id="{FA99FD5E-D554-4401-B340-088042D58529}" type="datetimeFigureOut">
               <a:rPr lang="zh-TW" altLang="en-US" smtClean="0"/>
-              <a:t>2022/9/16</a:t>
+              <a:t>2022/10/3</a:t>
             </a:fld>
             <a:endParaRPr lang="zh-TW" altLang="en-US"/>
           </a:p>
@@ -2592,7 +2592,7 @@
           <a:p>
             <a:fld id="{FA99FD5E-D554-4401-B340-088042D58529}" type="datetimeFigureOut">
               <a:rPr lang="zh-TW" altLang="en-US" smtClean="0"/>
-              <a:t>2022/9/16</a:t>
+              <a:t>2022/10/3</a:t>
             </a:fld>
             <a:endParaRPr lang="zh-TW" altLang="en-US"/>
           </a:p>
@@ -4287,8 +4287,8 @@
           </a:p>
         </p:txBody>
       </p:sp>
-      <mc:AlternateContent xmlns:mc="http://schemas.openxmlformats.org/markup-compatibility/2006" xmlns:a14="http://schemas.microsoft.com/office/drawing/2010/main">
-        <mc:Choice Requires="a14">
+      <mc:AlternateContent xmlns:mc="http://schemas.openxmlformats.org/markup-compatibility/2006">
+        <mc:Choice xmlns:a14="http://schemas.microsoft.com/office/drawing/2010/main" Requires="a14">
           <p:sp>
             <p:nvSpPr>
               <p:cNvPr id="3" name="內容版面配置區 2"/>
@@ -4487,14 +4487,6 @@
                           </a:rPr>
                           <m:t>𝑥𝑇</m:t>
                         </m:r>
-                        <m:r>
-                          <a:rPr lang="en-US" altLang="zh-TW" i="1">
-                            <a:latin typeface="Cambria Math" panose="02040503050406030204" pitchFamily="18" charset="0"/>
-                            <a:ea typeface="標楷體" panose="03000509000000000000" pitchFamily="65" charset="-120"/>
-                            <a:cs typeface="Times New Roman" panose="02020603050405020304" pitchFamily="18" charset="0"/>
-                          </a:rPr>
-                          <m:t> </m:t>
-                        </m:r>
                       </m:e>
                     </m:d>
                   </m:oMath>
@@ -4603,7 +4595,7 @@
             </p:txBody>
           </p:sp>
         </mc:Choice>
-        <mc:Fallback xmlns="">
+        <mc:Fallback>
           <p:sp>
             <p:nvSpPr>
               <p:cNvPr id="3" name="內容版面配置區 2"/>
@@ -4620,7 +4612,7 @@
                 <a:ext cx="10734040" cy="3794341"/>
               </a:xfrm>
               <a:blipFill>
-                <a:blip r:embed="rId6"/>
+                <a:blip r:embed="rId2"/>
                 <a:stretch>
                   <a:fillRect l="-1023" t="-2894"/>
                 </a:stretch>
@@ -4673,7 +4665,7 @@
           <p:nvPr/>
         </p:nvPicPr>
         <p:blipFill>
-          <a:blip r:embed="rId7"/>
+          <a:blip r:embed="rId3"/>
           <a:stretch>
             <a:fillRect/>
           </a:stretch>
